--- a/M6_Monocle_Pseudotime/M6_Monocle_Timeseries.pptx
+++ b/M6_Monocle_Pseudotime/M6_Monocle_Timeseries.pptx
@@ -5,7 +5,7 @@
     <p:sldMasterId id="2147483656" r:id="rId1"/>
   </p:sldMasterIdLst>
   <p:notesMasterIdLst>
-    <p:notesMasterId r:id="rId19"/>
+    <p:notesMasterId r:id="rId20"/>
   </p:notesMasterIdLst>
   <p:sldIdLst>
     <p:sldId id="256" r:id="rId2"/>
@@ -25,6 +25,7 @@
     <p:sldId id="277" r:id="rId16"/>
     <p:sldId id="278" r:id="rId17"/>
     <p:sldId id="279" r:id="rId18"/>
+    <p:sldId id="280" r:id="rId19"/>
   </p:sldIdLst>
   <p:sldSz cx="12192000" cy="6858000"/>
   <p:notesSz cx="6858000" cy="9144000"/>
@@ -213,7 +214,7 @@
           <a:p>
             <a:fld id="{FF40CFF0-3E11-4AF6-9747-7919C58FBC48}" type="datetimeFigureOut">
               <a:rPr lang="en-US" smtClean="0"/>
-              <a:t>4/4/24</a:t>
+              <a:t>4/5/2024</a:t>
             </a:fld>
             <a:endParaRPr lang="en-US"/>
           </a:p>
@@ -1051,7 +1052,7 @@
           <a:p>
             <a:fld id="{9F69634C-F75C-45F7-A87A-C5E2AF3ECA41}" type="datetimeFigureOut">
               <a:rPr lang="en-US" smtClean="0"/>
-              <a:t>4/4/24</a:t>
+              <a:t>4/5/2024</a:t>
             </a:fld>
             <a:endParaRPr lang="en-US"/>
           </a:p>
@@ -1216,7 +1217,7 @@
           <a:p>
             <a:fld id="{9F69634C-F75C-45F7-A87A-C5E2AF3ECA41}" type="datetimeFigureOut">
               <a:rPr lang="en-US" smtClean="0"/>
-              <a:t>4/4/24</a:t>
+              <a:t>4/5/2024</a:t>
             </a:fld>
             <a:endParaRPr lang="en-US"/>
           </a:p>
@@ -1386,7 +1387,7 @@
           <a:p>
             <a:fld id="{9F69634C-F75C-45F7-A87A-C5E2AF3ECA41}" type="datetimeFigureOut">
               <a:rPr lang="en-US" smtClean="0"/>
-              <a:t>4/4/24</a:t>
+              <a:t>4/5/2024</a:t>
             </a:fld>
             <a:endParaRPr lang="en-US"/>
           </a:p>
@@ -4441,7 +4442,7 @@
           <a:p>
             <a:fld id="{9F69634C-F75C-45F7-A87A-C5E2AF3ECA41}" type="datetimeFigureOut">
               <a:rPr lang="en-US" smtClean="0"/>
-              <a:t>4/4/24</a:t>
+              <a:t>4/5/2024</a:t>
             </a:fld>
             <a:endParaRPr lang="en-US"/>
           </a:p>
@@ -4706,7 +4707,7 @@
           <a:p>
             <a:fld id="{9F69634C-F75C-45F7-A87A-C5E2AF3ECA41}" type="datetimeFigureOut">
               <a:rPr lang="en-US" smtClean="0"/>
-              <a:t>4/4/24</a:t>
+              <a:t>4/5/2024</a:t>
             </a:fld>
             <a:endParaRPr lang="en-US"/>
           </a:p>
@@ -4819,7 +4820,7 @@
           <a:p>
             <a:fld id="{9F69634C-F75C-45F7-A87A-C5E2AF3ECA41}" type="datetimeFigureOut">
               <a:rPr lang="en-US" smtClean="0"/>
-              <a:t>4/4/24</a:t>
+              <a:t>4/5/2024</a:t>
             </a:fld>
             <a:endParaRPr lang="en-US"/>
           </a:p>
@@ -5060,7 +5061,7 @@
           <a:p>
             <a:fld id="{9F69634C-F75C-45F7-A87A-C5E2AF3ECA41}" type="datetimeFigureOut">
               <a:rPr lang="en-US" smtClean="0"/>
-              <a:t>4/4/24</a:t>
+              <a:t>4/5/2024</a:t>
             </a:fld>
             <a:endParaRPr lang="en-US"/>
           </a:p>
@@ -8688,6 +8689,546 @@
     <p:extLst>
       <p:ext uri="{BB962C8B-B14F-4D97-AF65-F5344CB8AC3E}">
         <p14:creationId xmlns:p14="http://schemas.microsoft.com/office/powerpoint/2010/main" val="2068461900"/>
+      </p:ext>
+    </p:extLst>
+  </p:cSld>
+  <p:clrMapOvr>
+    <a:masterClrMapping/>
+  </p:clrMapOvr>
+</p:sld>
+</file>
+
+<file path=ppt/slides/slide18.xml><?xml version="1.0" encoding="utf-8"?>
+<p:sld xmlns:a="http://schemas.openxmlformats.org/drawingml/2006/main" xmlns:r="http://schemas.openxmlformats.org/officeDocument/2006/relationships" xmlns:p="http://schemas.openxmlformats.org/presentationml/2006/main">
+  <p:cSld>
+    <p:spTree>
+      <p:nvGrpSpPr>
+        <p:cNvPr id="1" name=""/>
+        <p:cNvGrpSpPr/>
+        <p:nvPr/>
+      </p:nvGrpSpPr>
+      <p:grpSpPr>
+        <a:xfrm>
+          <a:off x="0" y="0"/>
+          <a:ext cx="0" cy="0"/>
+          <a:chOff x="0" y="0"/>
+          <a:chExt cx="0" cy="0"/>
+        </a:xfrm>
+      </p:grpSpPr>
+      <p:grpSp>
+        <p:nvGrpSpPr>
+          <p:cNvPr id="13" name="Group 12">
+            <a:extLst>
+              <a:ext uri="{FF2B5EF4-FFF2-40B4-BE49-F238E27FC236}">
+                <a16:creationId xmlns:a16="http://schemas.microsoft.com/office/drawing/2014/main" id="{2896BDB1-5BE6-4EA2-E515-66CCF8852990}"/>
+              </a:ext>
+            </a:extLst>
+          </p:cNvPr>
+          <p:cNvGrpSpPr>
+            <a:grpSpLocks noChangeAspect="1"/>
+          </p:cNvGrpSpPr>
+          <p:nvPr/>
+        </p:nvGrpSpPr>
+        <p:grpSpPr>
+          <a:xfrm>
+            <a:off x="218742" y="810125"/>
+            <a:ext cx="7325058" cy="1699532"/>
+            <a:chOff x="434780" y="1103624"/>
+            <a:chExt cx="6796771" cy="1576962"/>
+          </a:xfrm>
+        </p:grpSpPr>
+        <p:pic>
+          <p:nvPicPr>
+            <p:cNvPr id="4" name="Picture 3">
+              <a:extLst>
+                <a:ext uri="{FF2B5EF4-FFF2-40B4-BE49-F238E27FC236}">
+                  <a16:creationId xmlns:a16="http://schemas.microsoft.com/office/drawing/2014/main" id="{D13F34B3-F82C-1FB6-211C-E1170695862F}"/>
+                </a:ext>
+              </a:extLst>
+            </p:cNvPr>
+            <p:cNvPicPr>
+              <a:picLocks noChangeAspect="1"/>
+            </p:cNvPicPr>
+            <p:nvPr/>
+          </p:nvPicPr>
+          <p:blipFill>
+            <a:blip r:embed="rId2"/>
+            <a:stretch>
+              <a:fillRect/>
+            </a:stretch>
+          </p:blipFill>
+          <p:spPr>
+            <a:xfrm>
+              <a:off x="698659" y="1650762"/>
+              <a:ext cx="3734039" cy="1029824"/>
+            </a:xfrm>
+            <a:prstGeom prst="rect">
+              <a:avLst/>
+            </a:prstGeom>
+          </p:spPr>
+        </p:pic>
+        <p:pic>
+          <p:nvPicPr>
+            <p:cNvPr id="10" name="Picture 9">
+              <a:extLst>
+                <a:ext uri="{FF2B5EF4-FFF2-40B4-BE49-F238E27FC236}">
+                  <a16:creationId xmlns:a16="http://schemas.microsoft.com/office/drawing/2014/main" id="{DFDFAA16-B102-DE0B-1CA1-D7C3ED9ECFC5}"/>
+                </a:ext>
+              </a:extLst>
+            </p:cNvPr>
+            <p:cNvPicPr>
+              <a:picLocks noChangeAspect="1"/>
+            </p:cNvPicPr>
+            <p:nvPr/>
+          </p:nvPicPr>
+          <p:blipFill>
+            <a:blip r:embed="rId3"/>
+            <a:stretch>
+              <a:fillRect/>
+            </a:stretch>
+          </p:blipFill>
+          <p:spPr>
+            <a:xfrm>
+              <a:off x="4370832" y="1103624"/>
+              <a:ext cx="2860719" cy="1576962"/>
+            </a:xfrm>
+            <a:prstGeom prst="rect">
+              <a:avLst/>
+            </a:prstGeom>
+          </p:spPr>
+        </p:pic>
+        <p:pic>
+          <p:nvPicPr>
+            <p:cNvPr id="12" name="Picture 11">
+              <a:extLst>
+                <a:ext uri="{FF2B5EF4-FFF2-40B4-BE49-F238E27FC236}">
+                  <a16:creationId xmlns:a16="http://schemas.microsoft.com/office/drawing/2014/main" id="{6ECBCB47-98FB-4009-539D-41D91E764170}"/>
+                </a:ext>
+              </a:extLst>
+            </p:cNvPr>
+            <p:cNvPicPr>
+              <a:picLocks noChangeAspect="1"/>
+            </p:cNvPicPr>
+            <p:nvPr/>
+          </p:nvPicPr>
+          <p:blipFill>
+            <a:blip r:embed="rId4"/>
+            <a:stretch>
+              <a:fillRect/>
+            </a:stretch>
+          </p:blipFill>
+          <p:spPr>
+            <a:xfrm>
+              <a:off x="434780" y="1165701"/>
+              <a:ext cx="3734039" cy="436446"/>
+            </a:xfrm>
+            <a:prstGeom prst="rect">
+              <a:avLst/>
+            </a:prstGeom>
+          </p:spPr>
+        </p:pic>
+      </p:grpSp>
+      <p:sp>
+        <p:nvSpPr>
+          <p:cNvPr id="35" name="Rectangle 34">
+            <a:extLst>
+              <a:ext uri="{FF2B5EF4-FFF2-40B4-BE49-F238E27FC236}">
+                <a16:creationId xmlns:a16="http://schemas.microsoft.com/office/drawing/2014/main" id="{B38FFBE4-DD5F-ABA6-9C1A-36BC0E10A0DF}"/>
+              </a:ext>
+            </a:extLst>
+          </p:cNvPr>
+          <p:cNvSpPr/>
+          <p:nvPr/>
+        </p:nvSpPr>
+        <p:spPr>
+          <a:xfrm>
+            <a:off x="4460728" y="2186940"/>
+            <a:ext cx="7036119" cy="445234"/>
+          </a:xfrm>
+          <a:prstGeom prst="rect">
+            <a:avLst/>
+          </a:prstGeom>
+          <a:solidFill>
+            <a:schemeClr val="bg1"/>
+          </a:solidFill>
+          <a:ln>
+            <a:noFill/>
+          </a:ln>
+        </p:spPr>
+        <p:style>
+          <a:lnRef idx="2">
+            <a:schemeClr val="accent1">
+              <a:shade val="15000"/>
+            </a:schemeClr>
+          </a:lnRef>
+          <a:fillRef idx="1">
+            <a:schemeClr val="accent1"/>
+          </a:fillRef>
+          <a:effectRef idx="0">
+            <a:schemeClr val="accent1"/>
+          </a:effectRef>
+          <a:fontRef idx="minor">
+            <a:schemeClr val="lt1"/>
+          </a:fontRef>
+        </p:style>
+        <p:txBody>
+          <a:bodyPr rtlCol="0" anchor="ctr"/>
+          <a:lstStyle/>
+          <a:p>
+            <a:pPr algn="ctr"/>
+            <a:endParaRPr lang="en-US"/>
+          </a:p>
+        </p:txBody>
+      </p:sp>
+      <p:sp>
+        <p:nvSpPr>
+          <p:cNvPr id="2" name="Title 1">
+            <a:extLst>
+              <a:ext uri="{FF2B5EF4-FFF2-40B4-BE49-F238E27FC236}">
+                <a16:creationId xmlns:a16="http://schemas.microsoft.com/office/drawing/2014/main" id="{FC8EEA55-6B96-183C-34FB-5060ABC85E70}"/>
+              </a:ext>
+            </a:extLst>
+          </p:cNvPr>
+          <p:cNvSpPr>
+            <a:spLocks noGrp="1"/>
+          </p:cNvSpPr>
+          <p:nvPr>
+            <p:ph type="title"/>
+          </p:nvPr>
+        </p:nvSpPr>
+        <p:spPr/>
+        <p:txBody>
+          <a:bodyPr/>
+          <a:lstStyle/>
+          <a:p>
+            <a:r>
+              <a:rPr lang="en-US"/>
+              <a:t>Questions?</a:t>
+            </a:r>
+            <a:endParaRPr lang="en-US" dirty="0"/>
+          </a:p>
+        </p:txBody>
+      </p:sp>
+      <p:grpSp>
+        <p:nvGrpSpPr>
+          <p:cNvPr id="27" name="Group 26">
+            <a:extLst>
+              <a:ext uri="{FF2B5EF4-FFF2-40B4-BE49-F238E27FC236}">
+                <a16:creationId xmlns:a16="http://schemas.microsoft.com/office/drawing/2014/main" id="{4E046237-CD70-B57E-8280-A47780088423}"/>
+              </a:ext>
+            </a:extLst>
+          </p:cNvPr>
+          <p:cNvGrpSpPr>
+            <a:grpSpLocks noChangeAspect="1"/>
+          </p:cNvGrpSpPr>
+          <p:nvPr/>
+        </p:nvGrpSpPr>
+        <p:grpSpPr>
+          <a:xfrm>
+            <a:off x="4460728" y="2285562"/>
+            <a:ext cx="7036119" cy="2826696"/>
+            <a:chOff x="6308800" y="2527381"/>
+            <a:chExt cx="5683814" cy="2283420"/>
+          </a:xfrm>
+        </p:grpSpPr>
+        <p:pic>
+          <p:nvPicPr>
+            <p:cNvPr id="24" name="Picture 23">
+              <a:extLst>
+                <a:ext uri="{FF2B5EF4-FFF2-40B4-BE49-F238E27FC236}">
+                  <a16:creationId xmlns:a16="http://schemas.microsoft.com/office/drawing/2014/main" id="{3D96EA21-7E70-D1F4-ECB8-01D779CE549E}"/>
+                </a:ext>
+              </a:extLst>
+            </p:cNvPr>
+            <p:cNvPicPr>
+              <a:picLocks noChangeAspect="1"/>
+            </p:cNvPicPr>
+            <p:nvPr/>
+          </p:nvPicPr>
+          <p:blipFill>
+            <a:blip r:embed="rId5"/>
+            <a:stretch>
+              <a:fillRect/>
+            </a:stretch>
+          </p:blipFill>
+          <p:spPr>
+            <a:xfrm>
+              <a:off x="6308800" y="2868574"/>
+              <a:ext cx="5683814" cy="1942227"/>
+            </a:xfrm>
+            <a:prstGeom prst="rect">
+              <a:avLst/>
+            </a:prstGeom>
+          </p:spPr>
+        </p:pic>
+        <p:pic>
+          <p:nvPicPr>
+            <p:cNvPr id="26" name="Picture 25">
+              <a:extLst>
+                <a:ext uri="{FF2B5EF4-FFF2-40B4-BE49-F238E27FC236}">
+                  <a16:creationId xmlns:a16="http://schemas.microsoft.com/office/drawing/2014/main" id="{E84283DC-C21D-6740-3308-8A13CCCB8D46}"/>
+                </a:ext>
+              </a:extLst>
+            </p:cNvPr>
+            <p:cNvPicPr>
+              <a:picLocks noChangeAspect="1"/>
+            </p:cNvPicPr>
+            <p:nvPr/>
+          </p:nvPicPr>
+          <p:blipFill>
+            <a:blip r:embed="rId6"/>
+            <a:stretch>
+              <a:fillRect/>
+            </a:stretch>
+          </p:blipFill>
+          <p:spPr>
+            <a:xfrm>
+              <a:off x="6370356" y="2527381"/>
+              <a:ext cx="5340507" cy="335038"/>
+            </a:xfrm>
+            <a:prstGeom prst="rect">
+              <a:avLst/>
+            </a:prstGeom>
+          </p:spPr>
+        </p:pic>
+      </p:grpSp>
+      <p:grpSp>
+        <p:nvGrpSpPr>
+          <p:cNvPr id="34" name="Group 33">
+            <a:extLst>
+              <a:ext uri="{FF2B5EF4-FFF2-40B4-BE49-F238E27FC236}">
+                <a16:creationId xmlns:a16="http://schemas.microsoft.com/office/drawing/2014/main" id="{B4AB3F2C-1D12-9154-8464-71100F166C60}"/>
+              </a:ext>
+            </a:extLst>
+          </p:cNvPr>
+          <p:cNvGrpSpPr>
+            <a:grpSpLocks noChangeAspect="1"/>
+          </p:cNvGrpSpPr>
+          <p:nvPr/>
+        </p:nvGrpSpPr>
+        <p:grpSpPr>
+          <a:xfrm>
+            <a:off x="333965" y="4436292"/>
+            <a:ext cx="7693930" cy="2287719"/>
+            <a:chOff x="297390" y="4588996"/>
+            <a:chExt cx="6535795" cy="1943358"/>
+          </a:xfrm>
+        </p:grpSpPr>
+        <p:sp>
+          <p:nvSpPr>
+            <p:cNvPr id="28" name="Rectangle 27">
+              <a:extLst>
+                <a:ext uri="{FF2B5EF4-FFF2-40B4-BE49-F238E27FC236}">
+                  <a16:creationId xmlns:a16="http://schemas.microsoft.com/office/drawing/2014/main" id="{B53ADC2D-2ACA-5DC7-3FD8-9C45373A0634}"/>
+                </a:ext>
+              </a:extLst>
+            </p:cNvPr>
+            <p:cNvSpPr/>
+            <p:nvPr/>
+          </p:nvSpPr>
+          <p:spPr>
+            <a:xfrm>
+              <a:off x="297391" y="4588996"/>
+              <a:ext cx="6525915" cy="1943358"/>
+            </a:xfrm>
+            <a:prstGeom prst="rect">
+              <a:avLst/>
+            </a:prstGeom>
+            <a:solidFill>
+              <a:schemeClr val="bg1"/>
+            </a:solidFill>
+            <a:ln>
+              <a:solidFill>
+                <a:srgbClr val="FFFFFF"/>
+              </a:solidFill>
+            </a:ln>
+          </p:spPr>
+          <p:style>
+            <a:lnRef idx="2">
+              <a:schemeClr val="accent1">
+                <a:shade val="15000"/>
+              </a:schemeClr>
+            </a:lnRef>
+            <a:fillRef idx="1">
+              <a:schemeClr val="accent1"/>
+            </a:fillRef>
+            <a:effectRef idx="0">
+              <a:schemeClr val="accent1"/>
+            </a:effectRef>
+            <a:fontRef idx="minor">
+              <a:schemeClr val="lt1"/>
+            </a:fontRef>
+          </p:style>
+          <p:txBody>
+            <a:bodyPr rtlCol="0" anchor="ctr"/>
+            <a:lstStyle/>
+            <a:p>
+              <a:pPr algn="ctr"/>
+              <a:endParaRPr lang="en-US" dirty="0"/>
+            </a:p>
+          </p:txBody>
+        </p:sp>
+        <p:pic>
+          <p:nvPicPr>
+            <p:cNvPr id="17" name="Picture 16">
+              <a:extLst>
+                <a:ext uri="{FF2B5EF4-FFF2-40B4-BE49-F238E27FC236}">
+                  <a16:creationId xmlns:a16="http://schemas.microsoft.com/office/drawing/2014/main" id="{28607718-9C28-E96B-878A-35D23306B6C0}"/>
+                </a:ext>
+              </a:extLst>
+            </p:cNvPr>
+            <p:cNvPicPr>
+              <a:picLocks noChangeAspect="1"/>
+            </p:cNvPicPr>
+            <p:nvPr/>
+          </p:nvPicPr>
+          <p:blipFill>
+            <a:blip r:embed="rId7"/>
+            <a:stretch>
+              <a:fillRect/>
+            </a:stretch>
+          </p:blipFill>
+          <p:spPr>
+            <a:xfrm>
+              <a:off x="340254" y="5143953"/>
+              <a:ext cx="2760554" cy="1362052"/>
+            </a:xfrm>
+            <a:prstGeom prst="rect">
+              <a:avLst/>
+            </a:prstGeom>
+          </p:spPr>
+        </p:pic>
+        <p:pic>
+          <p:nvPicPr>
+            <p:cNvPr id="32" name="Picture 31">
+              <a:extLst>
+                <a:ext uri="{FF2B5EF4-FFF2-40B4-BE49-F238E27FC236}">
+                  <a16:creationId xmlns:a16="http://schemas.microsoft.com/office/drawing/2014/main" id="{85F611A3-0792-9D64-552E-9557E0B376F3}"/>
+                </a:ext>
+              </a:extLst>
+            </p:cNvPr>
+            <p:cNvPicPr>
+              <a:picLocks noChangeAspect="1"/>
+            </p:cNvPicPr>
+            <p:nvPr/>
+          </p:nvPicPr>
+          <p:blipFill rotWithShape="1">
+            <a:blip r:embed="rId8"/>
+            <a:srcRect b="16918"/>
+            <a:stretch/>
+          </p:blipFill>
+          <p:spPr>
+            <a:xfrm>
+              <a:off x="297390" y="4626178"/>
+              <a:ext cx="5635210" cy="462647"/>
+            </a:xfrm>
+            <a:prstGeom prst="rect">
+              <a:avLst/>
+            </a:prstGeom>
+          </p:spPr>
+        </p:pic>
+        <p:sp>
+          <p:nvSpPr>
+            <p:cNvPr id="33" name="Rectangle 32">
+              <a:extLst>
+                <a:ext uri="{FF2B5EF4-FFF2-40B4-BE49-F238E27FC236}">
+                  <a16:creationId xmlns:a16="http://schemas.microsoft.com/office/drawing/2014/main" id="{AB722F23-BD85-9BBC-9E84-D1E0FAEB53C8}"/>
+                </a:ext>
+              </a:extLst>
+            </p:cNvPr>
+            <p:cNvSpPr/>
+            <p:nvPr/>
+          </p:nvSpPr>
+          <p:spPr>
+            <a:xfrm>
+              <a:off x="3086100" y="5143953"/>
+              <a:ext cx="3747085" cy="1371147"/>
+            </a:xfrm>
+            <a:prstGeom prst="rect">
+              <a:avLst/>
+            </a:prstGeom>
+            <a:solidFill>
+              <a:srgbClr val="990000"/>
+            </a:solidFill>
+            <a:ln>
+              <a:noFill/>
+            </a:ln>
+          </p:spPr>
+          <p:style>
+            <a:lnRef idx="2">
+              <a:schemeClr val="accent1">
+                <a:shade val="15000"/>
+              </a:schemeClr>
+            </a:lnRef>
+            <a:fillRef idx="1">
+              <a:schemeClr val="accent1"/>
+            </a:fillRef>
+            <a:effectRef idx="0">
+              <a:schemeClr val="accent1"/>
+            </a:effectRef>
+            <a:fontRef idx="minor">
+              <a:schemeClr val="lt1"/>
+            </a:fontRef>
+          </p:style>
+          <p:txBody>
+            <a:bodyPr rtlCol="0" anchor="ctr"/>
+            <a:lstStyle/>
+            <a:p>
+              <a:pPr algn="ctr"/>
+              <a:endParaRPr lang="en-US" dirty="0"/>
+            </a:p>
+          </p:txBody>
+        </p:sp>
+        <p:sp>
+          <p:nvSpPr>
+            <p:cNvPr id="19" name="TextBox 18">
+              <a:extLst>
+                <a:ext uri="{FF2B5EF4-FFF2-40B4-BE49-F238E27FC236}">
+                  <a16:creationId xmlns:a16="http://schemas.microsoft.com/office/drawing/2014/main" id="{EB472841-3576-5E49-D96B-D028C0857E48}"/>
+                </a:ext>
+              </a:extLst>
+            </p:cNvPr>
+            <p:cNvSpPr txBox="1"/>
+            <p:nvPr/>
+          </p:nvSpPr>
+          <p:spPr>
+            <a:xfrm>
+              <a:off x="3163090" y="5172230"/>
+              <a:ext cx="3546689" cy="1323439"/>
+            </a:xfrm>
+            <a:prstGeom prst="rect">
+              <a:avLst/>
+            </a:prstGeom>
+            <a:noFill/>
+          </p:spPr>
+          <p:txBody>
+            <a:bodyPr wrap="square">
+              <a:spAutoFit/>
+            </a:bodyPr>
+            <a:lstStyle/>
+            <a:p>
+              <a:r>
+                <a:rPr lang="en-US" sz="2400" b="1" dirty="0">
+                  <a:solidFill>
+                    <a:schemeClr val="bg1"/>
+                  </a:solidFill>
+                  <a:latin typeface="Open Sans" panose="020B0606030504020204" pitchFamily="34" charset="0"/>
+                </a:rPr>
+                <a:t>Bridging biological research and data science for the next generation of scientific discoveries.</a:t>
+              </a:r>
+              <a:endParaRPr lang="en-US" sz="2400" b="1" dirty="0">
+                <a:solidFill>
+                  <a:schemeClr val="bg1"/>
+                </a:solidFill>
+              </a:endParaRPr>
+            </a:p>
+          </p:txBody>
+        </p:sp>
+      </p:grpSp>
+    </p:spTree>
+    <p:extLst>
+      <p:ext uri="{BB962C8B-B14F-4D97-AF65-F5344CB8AC3E}">
+        <p14:creationId xmlns:p14="http://schemas.microsoft.com/office/powerpoint/2010/main" val="2785229109"/>
       </p:ext>
     </p:extLst>
   </p:cSld>

--- a/M6_Monocle_Pseudotime/M6_Monocle_Timeseries.pptx
+++ b/M6_Monocle_Pseudotime/M6_Monocle_Timeseries.pptx
@@ -7547,7 +7547,7 @@
         <p:spPr>
           <a:xfrm>
             <a:off x="469375" y="765874"/>
-            <a:ext cx="8428718" cy="2031325"/>
+            <a:ext cx="8215326" cy="2308324"/>
           </a:xfrm>
           <a:prstGeom prst="rect">
             <a:avLst/>
@@ -7649,6 +7649,15 @@
             <a:r>
               <a:rPr lang="en-US" dirty="0"/>
               <a:t>Change parameters and algorithms for the step that raises error or previous steps.</a:t>
+            </a:r>
+          </a:p>
+          <a:p>
+            <a:pPr marL="342900" indent="-342900">
+              <a:buAutoNum type="arabicPeriod"/>
+            </a:pPr>
+            <a:r>
+              <a:rPr lang="en-US" dirty="0"/>
+              <a:t>Use less PCA dimensions.</a:t>
             </a:r>
           </a:p>
         </p:txBody>
@@ -7967,7 +7976,7 @@
         </p:nvSpPr>
         <p:spPr>
           <a:xfrm>
-            <a:off x="1561575" y="3002731"/>
+            <a:off x="1387839" y="3059668"/>
             <a:ext cx="5059783" cy="369332"/>
           </a:xfrm>
           <a:prstGeom prst="rect">
@@ -7983,7 +7992,15 @@
           <a:p>
             <a:r>
               <a:rPr lang="en-US" dirty="0"/>
-              <a:t>Using the PBMC3K Dataset from the previous slides.</a:t>
+              <a:t>Using the </a:t>
+            </a:r>
+            <a:r>
+              <a:rPr lang="en-US" b="1" dirty="0"/>
+              <a:t>PBMC3K</a:t>
+            </a:r>
+            <a:r>
+              <a:rPr lang="en-US" dirty="0"/>
+              <a:t> Dataset from the previous slides.</a:t>
             </a:r>
           </a:p>
         </p:txBody>
@@ -8629,7 +8646,7 @@
         </p:nvSpPr>
         <p:spPr>
           <a:xfrm>
-            <a:off x="256032" y="3874047"/>
+            <a:off x="256032" y="4101811"/>
             <a:ext cx="4630819" cy="400110"/>
           </a:xfrm>
           <a:prstGeom prst="rect">
@@ -8681,6 +8698,47 @@
             <a:r>
               <a:rPr lang="en-US" sz="2000" b="1" dirty="0"/>
               <a:t>1) Statistical Analysis (Ongoing research &amp; Development)</a:t>
+            </a:r>
+          </a:p>
+        </p:txBody>
+      </p:sp>
+      <p:sp>
+        <p:nvSpPr>
+          <p:cNvPr id="3" name="TextBox 2">
+            <a:extLst>
+              <a:ext uri="{FF2B5EF4-FFF2-40B4-BE49-F238E27FC236}">
+                <a16:creationId xmlns:a16="http://schemas.microsoft.com/office/drawing/2014/main" id="{1196AB87-BDF6-B8A9-EB21-AB232693D46A}"/>
+              </a:ext>
+            </a:extLst>
+          </p:cNvPr>
+          <p:cNvSpPr txBox="1"/>
+          <p:nvPr/>
+        </p:nvSpPr>
+        <p:spPr>
+          <a:xfrm>
+            <a:off x="3705297" y="5176699"/>
+            <a:ext cx="4448718" cy="646331"/>
+          </a:xfrm>
+          <a:prstGeom prst="rect">
+            <a:avLst/>
+          </a:prstGeom>
+          <a:noFill/>
+        </p:spPr>
+        <p:txBody>
+          <a:bodyPr wrap="none" rtlCol="0">
+            <a:spAutoFit/>
+          </a:bodyPr>
+          <a:lstStyle/>
+          <a:p>
+            <a:r>
+              <a:rPr lang="en-US" dirty="0"/>
+              <a:t>Ask the class what they would do to validate. </a:t>
+            </a:r>
+          </a:p>
+          <a:p>
+            <a:r>
+              <a:rPr lang="en-US" dirty="0"/>
+              <a:t>(Strategies discussed in Module 7)</a:t>
             </a:r>
           </a:p>
         </p:txBody>
@@ -9305,8 +9363,8 @@
         </p:nvSpPr>
         <p:spPr>
           <a:xfrm>
-            <a:off x="274411" y="1198154"/>
-            <a:ext cx="6191250" cy="1477328"/>
+            <a:off x="265266" y="932978"/>
+            <a:ext cx="6400709" cy="1477328"/>
           </a:xfrm>
           <a:prstGeom prst="rect">
             <a:avLst/>
@@ -9320,24 +9378,20 @@
           <a:lstStyle/>
           <a:p>
             <a:r>
+              <a:rPr lang="en-US" dirty="0" err="1"/>
+              <a:t>Pseudotimes</a:t>
+            </a:r>
+            <a:r>
               <a:rPr lang="en-US" dirty="0"/>
-              <a:t> </a:t>
-            </a:r>
-            <a:r>
-              <a:rPr lang="en-US" dirty="0" err="1"/>
-              <a:t>pseudotimes</a:t>
+              <a:t> measure the </a:t>
+            </a:r>
+            <a:r>
+              <a:rPr lang="en-US" b="1" dirty="0"/>
+              <a:t>relative progression </a:t>
             </a:r>
             <a:r>
               <a:rPr lang="en-US" dirty="0"/>
-              <a:t> measure the relative progression of each of the individuals along the biological process of interest, e.g., disease progression, cellular development, etc., allowing us to understand the (pseudo)temporal </a:t>
-            </a:r>
-            <a:r>
-              <a:rPr lang="en-US" dirty="0" err="1"/>
-              <a:t>behaviour</a:t>
-            </a:r>
-            <a:r>
-              <a:rPr lang="en-US" dirty="0"/>
-              <a:t> of measured features without explicit time series data</a:t>
+              <a:t>of each of the individuals along the biological process of interest, e.g., disease progression, cellular development, etc., allowing us to understand the (pseudo)-temporal behavior of measured features without explicit time series data.</a:t>
             </a:r>
           </a:p>
         </p:txBody>
@@ -9386,7 +9440,7 @@
         </p:nvSpPr>
         <p:spPr>
           <a:xfrm>
-            <a:off x="7330309" y="1059655"/>
+            <a:off x="7129141" y="999240"/>
             <a:ext cx="4471166" cy="1754326"/>
           </a:xfrm>
           <a:prstGeom prst="rect">
@@ -9402,19 +9456,43 @@
           <a:p>
             <a:r>
               <a:rPr lang="en-US" dirty="0"/>
-              <a:t>Determining a cell trajectory can give insight to the biological question. </a:t>
-            </a:r>
-          </a:p>
-          <a:p>
+              <a:t>Determining a cell trajectory can </a:t>
+            </a:r>
+            <a:r>
+              <a:rPr lang="en-US" b="1" dirty="0"/>
+              <a:t>give insight </a:t>
+            </a:r>
             <a:r>
               <a:rPr lang="en-US" dirty="0"/>
-              <a:t>There is prior knowledge that a trajectory/ cellular differentiation pathway exists.</a:t>
+              <a:t>to the biological question when: </a:t>
             </a:r>
           </a:p>
           <a:p>
             <a:r>
               <a:rPr lang="en-US" dirty="0"/>
-              <a:t>There is sufficient sampling with number of cells and between timepoints.</a:t>
+              <a:t>1. There is </a:t>
+            </a:r>
+            <a:r>
+              <a:rPr lang="en-US" b="1" dirty="0"/>
+              <a:t>prior knowledge </a:t>
+            </a:r>
+            <a:r>
+              <a:rPr lang="en-US" dirty="0"/>
+              <a:t>that a trajectory/ cellular differentiation pathway exists.</a:t>
+            </a:r>
+          </a:p>
+          <a:p>
+            <a:r>
+              <a:rPr lang="en-US" dirty="0"/>
+              <a:t>2. There is </a:t>
+            </a:r>
+            <a:r>
+              <a:rPr lang="en-US" b="1" dirty="0"/>
+              <a:t>sufficient sampling </a:t>
+            </a:r>
+            <a:r>
+              <a:rPr lang="en-US" dirty="0"/>
+              <a:t>with number of cells and between timepoints.</a:t>
             </a:r>
           </a:p>
         </p:txBody>
@@ -10043,6 +10121,13 @@
             <a:chOff x="2035608" y="1194318"/>
             <a:chExt cx="5545612" cy="5579707"/>
           </a:xfrm>
+          <a:solidFill>
+            <a:schemeClr val="accent6">
+              <a:lumMod val="60000"/>
+              <a:lumOff val="40000"/>
+              <a:alpha val="12941"/>
+            </a:schemeClr>
+          </a:solidFill>
         </p:grpSpPr>
         <p:sp>
           <p:nvSpPr>
@@ -10064,11 +10149,7 @@
             <a:prstGeom prst="rect">
               <a:avLst/>
             </a:prstGeom>
-            <a:solidFill>
-              <a:schemeClr val="accent2">
-                <a:alpha val="6000"/>
-              </a:schemeClr>
-            </a:solidFill>
+            <a:grpFill/>
             <a:ln>
               <a:noFill/>
             </a:ln>
@@ -10245,11 +10326,7 @@
                 </a:path>
               </a:pathLst>
             </a:custGeom>
-            <a:solidFill>
-              <a:schemeClr val="accent2">
-                <a:alpha val="6000"/>
-              </a:schemeClr>
-            </a:solidFill>
+            <a:grpFill/>
             <a:ln>
               <a:noFill/>
             </a:ln>
@@ -19918,7 +19995,7 @@
         </p:blipFill>
         <p:spPr>
           <a:xfrm>
-            <a:off x="3526898" y="3220209"/>
+            <a:off x="3563337" y="3302943"/>
             <a:ext cx="4006015" cy="2875570"/>
           </a:xfrm>
           <a:prstGeom prst="rect">

--- a/M6_Monocle_Pseudotime/M6_Monocle_Timeseries.pptx
+++ b/M6_Monocle_Pseudotime/M6_Monocle_Timeseries.pptx
@@ -6413,36 +6413,6 @@
           </a:prstGeom>
         </p:spPr>
       </p:pic>
-      <p:pic>
-        <p:nvPicPr>
-          <p:cNvPr id="61" name="Picture 60">
-            <a:extLst>
-              <a:ext uri="{FF2B5EF4-FFF2-40B4-BE49-F238E27FC236}">
-                <a16:creationId xmlns:a16="http://schemas.microsoft.com/office/drawing/2014/main" id="{ED5A786C-871A-D8F0-F5CE-996BAA7B5369}"/>
-              </a:ext>
-            </a:extLst>
-          </p:cNvPr>
-          <p:cNvPicPr>
-            <a:picLocks noChangeAspect="1"/>
-          </p:cNvPicPr>
-          <p:nvPr/>
-        </p:nvPicPr>
-        <p:blipFill>
-          <a:blip r:embed="rId3"/>
-          <a:stretch>
-            <a:fillRect/>
-          </a:stretch>
-        </p:blipFill>
-        <p:spPr>
-          <a:xfrm>
-            <a:off x="4132517" y="890234"/>
-            <a:ext cx="5849166" cy="1009791"/>
-          </a:xfrm>
-          <a:prstGeom prst="rect">
-            <a:avLst/>
-          </a:prstGeom>
-        </p:spPr>
-      </p:pic>
       <p:sp>
         <p:nvSpPr>
           <p:cNvPr id="3" name="TextBox 2">
@@ -6621,6 +6591,36 @@
           </a:p>
         </p:txBody>
       </p:sp>
+      <p:pic>
+        <p:nvPicPr>
+          <p:cNvPr id="9" name="Picture 8">
+            <a:extLst>
+              <a:ext uri="{FF2B5EF4-FFF2-40B4-BE49-F238E27FC236}">
+                <a16:creationId xmlns:a16="http://schemas.microsoft.com/office/drawing/2014/main" id="{BD7CD4FF-E68F-EDCD-2E75-062BD42D2E5C}"/>
+              </a:ext>
+            </a:extLst>
+          </p:cNvPr>
+          <p:cNvPicPr>
+            <a:picLocks noChangeAspect="1"/>
+          </p:cNvPicPr>
+          <p:nvPr/>
+        </p:nvPicPr>
+        <p:blipFill>
+          <a:blip r:embed="rId3"/>
+          <a:stretch>
+            <a:fillRect/>
+          </a:stretch>
+        </p:blipFill>
+        <p:spPr>
+          <a:xfrm>
+            <a:off x="4230983" y="930296"/>
+            <a:ext cx="5668166" cy="914528"/>
+          </a:xfrm>
+          <a:prstGeom prst="rect">
+            <a:avLst/>
+          </a:prstGeom>
+        </p:spPr>
+      </p:pic>
     </p:spTree>
     <p:extLst>
       <p:ext uri="{BB962C8B-B14F-4D97-AF65-F5344CB8AC3E}">
@@ -6687,10 +6687,10 @@
       </p:sp>
       <p:pic>
         <p:nvPicPr>
-          <p:cNvPr id="62" name="Picture 61">
-            <a:extLst>
-              <a:ext uri="{FF2B5EF4-FFF2-40B4-BE49-F238E27FC236}">
-                <a16:creationId xmlns:a16="http://schemas.microsoft.com/office/drawing/2014/main" id="{AD8498BB-7E6E-1AC8-C83B-713223D4BCDD}"/>
+          <p:cNvPr id="66" name="Picture 65">
+            <a:extLst>
+              <a:ext uri="{FF2B5EF4-FFF2-40B4-BE49-F238E27FC236}">
+                <a16:creationId xmlns:a16="http://schemas.microsoft.com/office/drawing/2014/main" id="{3531DC74-23CC-3935-9FFE-169DADC20FB8}"/>
               </a:ext>
             </a:extLst>
           </p:cNvPr>
@@ -6707,37 +6707,7 @@
         </p:blipFill>
         <p:spPr>
           <a:xfrm>
-            <a:off x="3392611" y="730824"/>
-            <a:ext cx="6096851" cy="2324424"/>
-          </a:xfrm>
-          <a:prstGeom prst="rect">
-            <a:avLst/>
-          </a:prstGeom>
-        </p:spPr>
-      </p:pic>
-      <p:pic>
-        <p:nvPicPr>
-          <p:cNvPr id="66" name="Picture 65">
-            <a:extLst>
-              <a:ext uri="{FF2B5EF4-FFF2-40B4-BE49-F238E27FC236}">
-                <a16:creationId xmlns:a16="http://schemas.microsoft.com/office/drawing/2014/main" id="{3531DC74-23CC-3935-9FFE-169DADC20FB8}"/>
-              </a:ext>
-            </a:extLst>
-          </p:cNvPr>
-          <p:cNvPicPr>
-            <a:picLocks noChangeAspect="1"/>
-          </p:cNvPicPr>
-          <p:nvPr/>
-        </p:nvPicPr>
-        <p:blipFill>
-          <a:blip r:embed="rId3"/>
-          <a:stretch>
-            <a:fillRect/>
-          </a:stretch>
-        </p:blipFill>
-        <p:spPr>
-          <a:xfrm>
-            <a:off x="3526899" y="3251200"/>
+            <a:off x="3538699" y="3251200"/>
             <a:ext cx="5509176" cy="3503836"/>
           </a:xfrm>
           <a:prstGeom prst="rect">
@@ -6979,10 +6949,10 @@
       </p:sp>
       <p:pic>
         <p:nvPicPr>
-          <p:cNvPr id="130" name="Picture 129">
-            <a:extLst>
-              <a:ext uri="{FF2B5EF4-FFF2-40B4-BE49-F238E27FC236}">
-                <a16:creationId xmlns:a16="http://schemas.microsoft.com/office/drawing/2014/main" id="{61E533EB-19D5-386C-7ECA-C711F3788EDA}"/>
+          <p:cNvPr id="8" name="Picture 7">
+            <a:extLst>
+              <a:ext uri="{FF2B5EF4-FFF2-40B4-BE49-F238E27FC236}">
+                <a16:creationId xmlns:a16="http://schemas.microsoft.com/office/drawing/2014/main" id="{130952E8-C5C8-63AF-89D6-5ACB66841694}"/>
               </a:ext>
             </a:extLst>
           </p:cNvPr>
@@ -6991,16 +6961,44 @@
           </p:cNvPicPr>
           <p:nvPr/>
         </p:nvPicPr>
-        <p:blipFill>
-          <a:blip r:embed="rId4"/>
-          <a:stretch>
-            <a:fillRect/>
-          </a:stretch>
+        <p:blipFill rotWithShape="1">
+          <a:blip r:embed="rId3"/>
+          <a:srcRect b="23384"/>
+          <a:stretch/>
         </p:blipFill>
         <p:spPr>
           <a:xfrm>
-            <a:off x="7277218" y="2841568"/>
-            <a:ext cx="4734586" cy="819264"/>
+            <a:off x="3702126" y="762345"/>
+            <a:ext cx="5182323" cy="2488855"/>
+          </a:xfrm>
+          <a:prstGeom prst="rect">
+            <a:avLst/>
+          </a:prstGeom>
+        </p:spPr>
+      </p:pic>
+      <p:pic>
+        <p:nvPicPr>
+          <p:cNvPr id="9" name="Picture 8">
+            <a:extLst>
+              <a:ext uri="{FF2B5EF4-FFF2-40B4-BE49-F238E27FC236}">
+                <a16:creationId xmlns:a16="http://schemas.microsoft.com/office/drawing/2014/main" id="{406DE658-E38B-B1DA-84CF-9BFDE43F5FBE}"/>
+              </a:ext>
+            </a:extLst>
+          </p:cNvPr>
+          <p:cNvPicPr>
+            <a:picLocks noChangeAspect="1"/>
+          </p:cNvPicPr>
+          <p:nvPr/>
+        </p:nvPicPr>
+        <p:blipFill rotWithShape="1">
+          <a:blip r:embed="rId3"/>
+          <a:srcRect t="75617" r="8001"/>
+          <a:stretch/>
+        </p:blipFill>
+        <p:spPr>
+          <a:xfrm>
+            <a:off x="7265809" y="2814742"/>
+            <a:ext cx="4767696" cy="792059"/>
           </a:xfrm>
           <a:prstGeom prst="rect">
             <a:avLst/>

--- a/M6_Monocle_Pseudotime/M6_Monocle_Timeseries.pptx
+++ b/M6_Monocle_Pseudotime/M6_Monocle_Timeseries.pptx
@@ -6203,9 +6203,9 @@
           <p:nvPr/>
         </p:nvSpPr>
         <p:spPr>
-          <a:xfrm>
-            <a:off x="5631544" y="4484914"/>
-            <a:ext cx="2699656" cy="1161144"/>
+          <a:xfrm rot="20998236">
+            <a:off x="5491106" y="3010972"/>
+            <a:ext cx="2010211" cy="402670"/>
           </a:xfrm>
           <a:prstGeom prst="rect">
             <a:avLst/>
@@ -6384,35 +6384,6 @@
           </a:p>
         </p:txBody>
       </p:sp>
-      <p:pic>
-        <p:nvPicPr>
-          <p:cNvPr id="6" name="Picture 5">
-            <a:extLst>
-              <a:ext uri="{FF2B5EF4-FFF2-40B4-BE49-F238E27FC236}">
-                <a16:creationId xmlns:a16="http://schemas.microsoft.com/office/drawing/2014/main" id="{48CC40D6-1291-B68A-E6AC-2E0C4A9BF3B8}"/>
-              </a:ext>
-            </a:extLst>
-          </p:cNvPr>
-          <p:cNvPicPr>
-            <a:picLocks noChangeAspect="1"/>
-          </p:cNvPicPr>
-          <p:nvPr/>
-        </p:nvPicPr>
-        <p:blipFill rotWithShape="1">
-          <a:blip r:embed="rId2"/>
-          <a:srcRect b="1573"/>
-          <a:stretch/>
-        </p:blipFill>
-        <p:spPr>
-          <a:xfrm>
-            <a:off x="4230983" y="1944628"/>
-            <a:ext cx="6054364" cy="4351090"/>
-          </a:xfrm>
-          <a:prstGeom prst="rect">
-            <a:avLst/>
-          </a:prstGeom>
-        </p:spPr>
-      </p:pic>
       <p:sp>
         <p:nvSpPr>
           <p:cNvPr id="3" name="TextBox 2">
@@ -6593,10 +6564,40 @@
       </p:sp>
       <p:pic>
         <p:nvPicPr>
-          <p:cNvPr id="9" name="Picture 8">
-            <a:extLst>
-              <a:ext uri="{FF2B5EF4-FFF2-40B4-BE49-F238E27FC236}">
-                <a16:creationId xmlns:a16="http://schemas.microsoft.com/office/drawing/2014/main" id="{BD7CD4FF-E68F-EDCD-2E75-062BD42D2E5C}"/>
+          <p:cNvPr id="11" name="Picture 10">
+            <a:extLst>
+              <a:ext uri="{FF2B5EF4-FFF2-40B4-BE49-F238E27FC236}">
+                <a16:creationId xmlns:a16="http://schemas.microsoft.com/office/drawing/2014/main" id="{4D0C0A38-B7E8-AE10-F0E7-89C1B42CB2E2}"/>
+              </a:ext>
+            </a:extLst>
+          </p:cNvPr>
+          <p:cNvPicPr>
+            <a:picLocks noChangeAspect="1"/>
+          </p:cNvPicPr>
+          <p:nvPr/>
+        </p:nvPicPr>
+        <p:blipFill>
+          <a:blip r:embed="rId2"/>
+          <a:stretch>
+            <a:fillRect/>
+          </a:stretch>
+        </p:blipFill>
+        <p:spPr>
+          <a:xfrm>
+            <a:off x="4230983" y="2296386"/>
+            <a:ext cx="5401429" cy="4039164"/>
+          </a:xfrm>
+          <a:prstGeom prst="rect">
+            <a:avLst/>
+          </a:prstGeom>
+        </p:spPr>
+      </p:pic>
+      <p:pic>
+        <p:nvPicPr>
+          <p:cNvPr id="13" name="Picture 12">
+            <a:extLst>
+              <a:ext uri="{FF2B5EF4-FFF2-40B4-BE49-F238E27FC236}">
+                <a16:creationId xmlns:a16="http://schemas.microsoft.com/office/drawing/2014/main" id="{90FD3F5B-DCE9-23C0-E5CB-AC2AADE9DC14}"/>
               </a:ext>
             </a:extLst>
           </p:cNvPr>
@@ -6613,8 +6614,8 @@
         </p:blipFill>
         <p:spPr>
           <a:xfrm>
-            <a:off x="4230983" y="930296"/>
-            <a:ext cx="5668166" cy="914528"/>
+            <a:off x="4097614" y="930296"/>
+            <a:ext cx="5668166" cy="990738"/>
           </a:xfrm>
           <a:prstGeom prst="rect">
             <a:avLst/>
@@ -6685,36 +6686,6 @@
           </a:p>
         </p:txBody>
       </p:sp>
-      <p:pic>
-        <p:nvPicPr>
-          <p:cNvPr id="66" name="Picture 65">
-            <a:extLst>
-              <a:ext uri="{FF2B5EF4-FFF2-40B4-BE49-F238E27FC236}">
-                <a16:creationId xmlns:a16="http://schemas.microsoft.com/office/drawing/2014/main" id="{3531DC74-23CC-3935-9FFE-169DADC20FB8}"/>
-              </a:ext>
-            </a:extLst>
-          </p:cNvPr>
-          <p:cNvPicPr>
-            <a:picLocks noChangeAspect="1"/>
-          </p:cNvPicPr>
-          <p:nvPr/>
-        </p:nvPicPr>
-        <p:blipFill>
-          <a:blip r:embed="rId2"/>
-          <a:stretch>
-            <a:fillRect/>
-          </a:stretch>
-        </p:blipFill>
-        <p:spPr>
-          <a:xfrm>
-            <a:off x="3538699" y="3251200"/>
-            <a:ext cx="5509176" cy="3503836"/>
-          </a:xfrm>
-          <a:prstGeom prst="rect">
-            <a:avLst/>
-          </a:prstGeom>
-        </p:spPr>
-      </p:pic>
       <p:sp>
         <p:nvSpPr>
           <p:cNvPr id="3" name="TextBox 2">
@@ -6962,14 +6933,14 @@
           <p:nvPr/>
         </p:nvPicPr>
         <p:blipFill rotWithShape="1">
-          <a:blip r:embed="rId3"/>
-          <a:srcRect b="23384"/>
+          <a:blip r:embed="rId2"/>
+          <a:srcRect t="25792" b="23385"/>
           <a:stretch/>
         </p:blipFill>
         <p:spPr>
           <a:xfrm>
-            <a:off x="3702126" y="762345"/>
-            <a:ext cx="5182323" cy="2488855"/>
+            <a:off x="3702126" y="1600200"/>
+            <a:ext cx="5182323" cy="1651000"/>
           </a:xfrm>
           <a:prstGeom prst="rect">
             <a:avLst/>
@@ -6991,7 +6962,7 @@
           <p:nvPr/>
         </p:nvPicPr>
         <p:blipFill rotWithShape="1">
-          <a:blip r:embed="rId3"/>
+          <a:blip r:embed="rId2"/>
           <a:srcRect t="75617" r="8001"/>
           <a:stretch/>
         </p:blipFill>
@@ -6999,6 +6970,66 @@
           <a:xfrm>
             <a:off x="7265809" y="2814742"/>
             <a:ext cx="4767696" cy="792059"/>
+          </a:xfrm>
+          <a:prstGeom prst="rect">
+            <a:avLst/>
+          </a:prstGeom>
+        </p:spPr>
+      </p:pic>
+      <p:pic>
+        <p:nvPicPr>
+          <p:cNvPr id="15" name="Picture 14">
+            <a:extLst>
+              <a:ext uri="{FF2B5EF4-FFF2-40B4-BE49-F238E27FC236}">
+                <a16:creationId xmlns:a16="http://schemas.microsoft.com/office/drawing/2014/main" id="{9FCE007B-1E7E-4A14-0E6D-A267E14AC0F0}"/>
+              </a:ext>
+            </a:extLst>
+          </p:cNvPr>
+          <p:cNvPicPr>
+            <a:picLocks noChangeAspect="1"/>
+          </p:cNvPicPr>
+          <p:nvPr/>
+        </p:nvPicPr>
+        <p:blipFill>
+          <a:blip r:embed="rId3"/>
+          <a:stretch>
+            <a:fillRect/>
+          </a:stretch>
+        </p:blipFill>
+        <p:spPr>
+          <a:xfrm>
+            <a:off x="3702126" y="3606801"/>
+            <a:ext cx="5645652" cy="3151062"/>
+          </a:xfrm>
+          <a:prstGeom prst="rect">
+            <a:avLst/>
+          </a:prstGeom>
+        </p:spPr>
+      </p:pic>
+      <p:pic>
+        <p:nvPicPr>
+          <p:cNvPr id="17" name="Picture 16">
+            <a:extLst>
+              <a:ext uri="{FF2B5EF4-FFF2-40B4-BE49-F238E27FC236}">
+                <a16:creationId xmlns:a16="http://schemas.microsoft.com/office/drawing/2014/main" id="{BA65BE77-1878-EDED-D66B-1B48F4C69E7E}"/>
+              </a:ext>
+            </a:extLst>
+          </p:cNvPr>
+          <p:cNvPicPr>
+            <a:picLocks noChangeAspect="1"/>
+          </p:cNvPicPr>
+          <p:nvPr/>
+        </p:nvPicPr>
+        <p:blipFill>
+          <a:blip r:embed="rId4"/>
+          <a:stretch>
+            <a:fillRect/>
+          </a:stretch>
+        </p:blipFill>
+        <p:spPr>
+          <a:xfrm>
+            <a:off x="3695197" y="681238"/>
+            <a:ext cx="5029902" cy="866896"/>
           </a:xfrm>
           <a:prstGeom prst="rect">
             <a:avLst/>
@@ -7101,35 +7132,6 @@
       </p:pic>
       <p:pic>
         <p:nvPicPr>
-          <p:cNvPr id="63" name="Picture 62">
-            <a:extLst>
-              <a:ext uri="{FF2B5EF4-FFF2-40B4-BE49-F238E27FC236}">
-                <a16:creationId xmlns:a16="http://schemas.microsoft.com/office/drawing/2014/main" id="{51BC5882-E432-FBDE-5600-23939988D2E6}"/>
-              </a:ext>
-            </a:extLst>
-          </p:cNvPr>
-          <p:cNvPicPr>
-            <a:picLocks noChangeAspect="1"/>
-          </p:cNvPicPr>
-          <p:nvPr/>
-        </p:nvPicPr>
-        <p:blipFill rotWithShape="1">
-          <a:blip r:embed="rId3"/>
-          <a:srcRect r="9801"/>
-          <a:stretch/>
-        </p:blipFill>
-        <p:spPr>
-          <a:xfrm>
-            <a:off x="3469070" y="3392804"/>
-            <a:ext cx="5144578" cy="3460975"/>
-          </a:xfrm>
-          <a:prstGeom prst="rect">
-            <a:avLst/>
-          </a:prstGeom>
-        </p:spPr>
-      </p:pic>
-      <p:pic>
-        <p:nvPicPr>
           <p:cNvPr id="68" name="Picture 67">
             <a:extLst>
               <a:ext uri="{FF2B5EF4-FFF2-40B4-BE49-F238E27FC236}">
@@ -7149,8 +7151,8 @@
         </p:blipFill>
         <p:spPr>
           <a:xfrm>
-            <a:off x="8425840" y="4992184"/>
-            <a:ext cx="641833" cy="1465479"/>
+            <a:off x="7802766" y="4418159"/>
+            <a:ext cx="578239" cy="1320277"/>
           </a:xfrm>
           <a:prstGeom prst="rect">
             <a:avLst/>
@@ -7472,6 +7474,35 @@
           </p:spPr>
         </p:pic>
       </p:grpSp>
+      <p:pic>
+        <p:nvPicPr>
+          <p:cNvPr id="4" name="Picture 3">
+            <a:extLst>
+              <a:ext uri="{FF2B5EF4-FFF2-40B4-BE49-F238E27FC236}">
+                <a16:creationId xmlns:a16="http://schemas.microsoft.com/office/drawing/2014/main" id="{0ED80DFB-9D73-8F53-0CBB-AD72B14E76D4}"/>
+              </a:ext>
+            </a:extLst>
+          </p:cNvPr>
+          <p:cNvPicPr>
+            <a:picLocks noChangeAspect="1"/>
+          </p:cNvPicPr>
+          <p:nvPr/>
+        </p:nvPicPr>
+        <p:blipFill rotWithShape="1">
+          <a:blip r:embed="rId6"/>
+          <a:srcRect r="12769"/>
+          <a:stretch/>
+        </p:blipFill>
+        <p:spPr>
+          <a:xfrm>
+            <a:off x="3764087" y="3471611"/>
+            <a:ext cx="3941131" cy="3360781"/>
+          </a:xfrm>
+          <a:prstGeom prst="rect">
+            <a:avLst/>
+          </a:prstGeom>
+        </p:spPr>
+      </p:pic>
     </p:spTree>
     <p:extLst>
       <p:ext uri="{BB962C8B-B14F-4D97-AF65-F5344CB8AC3E}">
@@ -8714,7 +8745,7 @@
         </p:nvSpPr>
         <p:spPr>
           <a:xfrm>
-            <a:off x="3705297" y="5176699"/>
+            <a:off x="3587364" y="5064415"/>
             <a:ext cx="4448718" cy="646331"/>
           </a:xfrm>
           <a:prstGeom prst="rect">
@@ -8957,10 +8988,6 @@
           <a:bodyPr/>
           <a:lstStyle/>
           <a:p>
-            <a:r>
-              <a:rPr lang="en-US"/>
-              <a:t>Questions?</a:t>
-            </a:r>
             <a:endParaRPr lang="en-US" dirty="0"/>
           </a:p>
         </p:txBody>
